--- a/Dashboard_Sketch.pptx
+++ b/Dashboard_Sketch.pptx
@@ -104,6 +104,11 @@
       </a:defRPr>
     </a:lvl9pPr>
   </p:defaultTextStyle>
+  <p:extLst>
+    <p:ext uri="{EFAFB233-063F-42B5-8137-9DF3F51BA10A}">
+      <p15:sldGuideLst xmlns:p15="http://schemas.microsoft.com/office/powerpoint/2012/main"/>
+    </p:ext>
+  </p:extLst>
 </p:presentation>
 </file>
 
@@ -3148,8 +3153,8 @@
         </p:nvSpPr>
         <p:spPr>
           <a:xfrm>
-            <a:off x="3244907" y="9722897"/>
-            <a:ext cx="1809791" cy="369332"/>
+            <a:off x="3044228" y="9722897"/>
+            <a:ext cx="2860463" cy="369332"/>
           </a:xfrm>
           <a:prstGeom prst="rect">
             <a:avLst/>
@@ -3164,7 +3169,11 @@
           <a:p>
             <a:r>
               <a:rPr lang="en-US" dirty="0" smtClean="0"/>
-              <a:t>daily cases/doses</a:t>
+              <a:t>daily </a:t>
+            </a:r>
+            <a:r>
+              <a:rPr lang="en-US" dirty="0" smtClean="0"/>
+              <a:t>cases/doses/stringency</a:t>
             </a:r>
             <a:endParaRPr lang="en-US" dirty="0"/>
           </a:p>
@@ -3560,11 +3569,11 @@
             </a:r>
             <a:r>
               <a:rPr lang="en-US" sz="900" dirty="0" smtClean="0"/>
-              <a:t>GDP per pop</a:t>
+              <a:t>GDP per </a:t>
             </a:r>
             <a:r>
               <a:rPr lang="en-US" sz="900" dirty="0" smtClean="0"/>
-              <a:t> </a:t>
+              <a:t>pop    </a:t>
             </a:r>
             <a:endParaRPr lang="en-US" sz="900" dirty="0"/>
           </a:p>
